--- a/99_研修資料/第一回/研修資料.pptx
+++ b/99_研修資料/第一回/研修資料.pptx
@@ -8,12 +8,19 @@
   </p:sldMasterIdLst>
   <p:sldIdLst>
     <p:sldId id="256" r:id="rId4"/>
-    <p:sldId id="257" r:id="rId5"/>
-    <p:sldId id="258" r:id="rId6"/>
-    <p:sldId id="259" r:id="rId7"/>
-    <p:sldId id="262" r:id="rId8"/>
-    <p:sldId id="260" r:id="rId9"/>
-    <p:sldId id="261" r:id="rId10"/>
+    <p:sldId id="269" r:id="rId5"/>
+    <p:sldId id="257" r:id="rId6"/>
+    <p:sldId id="258" r:id="rId7"/>
+    <p:sldId id="259" r:id="rId8"/>
+    <p:sldId id="262" r:id="rId9"/>
+    <p:sldId id="260" r:id="rId10"/>
+    <p:sldId id="261" r:id="rId11"/>
+    <p:sldId id="263" r:id="rId12"/>
+    <p:sldId id="266" r:id="rId13"/>
+    <p:sldId id="264" r:id="rId14"/>
+    <p:sldId id="265" r:id="rId15"/>
+    <p:sldId id="267" r:id="rId16"/>
+    <p:sldId id="268" r:id="rId17"/>
   </p:sldIdLst>
   <p:sldSz cx="12192000" cy="6858000"/>
   <p:notesSz cx="6858000" cy="9144000"/>
@@ -112,6 +119,11 @@
       </a:defRPr>
     </a:lvl9pPr>
   </p:defaultTextStyle>
+  <p:extLst>
+    <p:ext uri="{EFAFB233-063F-42B5-8137-9DF3F51BA10A}">
+      <p15:sldGuideLst xmlns:p15="http://schemas.microsoft.com/office/powerpoint/2012/main"/>
+    </p:ext>
+  </p:extLst>
 </p:presentation>
 </file>
 
@@ -257,7 +269,7 @@
           <a:p>
             <a:fld id="{9442C418-E88E-43F4-A5CE-84312E85B8D7}" type="datetimeFigureOut">
               <a:rPr kumimoji="1" lang="ja-JP" altLang="en-US" smtClean="0"/>
-              <a:t>2022/2/11</a:t>
+              <a:t>2022/2/12</a:t>
             </a:fld>
             <a:endParaRPr kumimoji="1" lang="ja-JP" altLang="en-US"/>
           </a:p>
@@ -459,7 +471,7 @@
           <a:p>
             <a:fld id="{9442C418-E88E-43F4-A5CE-84312E85B8D7}" type="datetimeFigureOut">
               <a:rPr kumimoji="1" lang="ja-JP" altLang="en-US" smtClean="0"/>
-              <a:t>2022/2/11</a:t>
+              <a:t>2022/2/12</a:t>
             </a:fld>
             <a:endParaRPr kumimoji="1" lang="ja-JP" altLang="en-US"/>
           </a:p>
@@ -671,7 +683,7 @@
           <a:p>
             <a:fld id="{9442C418-E88E-43F4-A5CE-84312E85B8D7}" type="datetimeFigureOut">
               <a:rPr kumimoji="1" lang="ja-JP" altLang="en-US" smtClean="0"/>
-              <a:t>2022/2/11</a:t>
+              <a:t>2022/2/12</a:t>
             </a:fld>
             <a:endParaRPr kumimoji="1" lang="ja-JP" altLang="en-US"/>
           </a:p>
@@ -874,7 +886,7 @@
           <a:p>
             <a:fld id="{9442C418-E88E-43F4-A5CE-84312E85B8D7}" type="datetimeFigureOut">
               <a:rPr kumimoji="1" lang="ja-JP" altLang="en-US" smtClean="0"/>
-              <a:t>2022/2/11</a:t>
+              <a:t>2022/2/12</a:t>
             </a:fld>
             <a:endParaRPr kumimoji="1" lang="ja-JP" altLang="en-US"/>
           </a:p>
@@ -1076,7 +1088,7 @@
           <a:p>
             <a:fld id="{9442C418-E88E-43F4-A5CE-84312E85B8D7}" type="datetimeFigureOut">
               <a:rPr kumimoji="1" lang="ja-JP" altLang="en-US" smtClean="0"/>
-              <a:t>2022/2/11</a:t>
+              <a:t>2022/2/12</a:t>
             </a:fld>
             <a:endParaRPr kumimoji="1" lang="ja-JP" altLang="en-US"/>
           </a:p>
@@ -1327,7 +1339,7 @@
           <a:p>
             <a:fld id="{9442C418-E88E-43F4-A5CE-84312E85B8D7}" type="datetimeFigureOut">
               <a:rPr kumimoji="1" lang="ja-JP" altLang="en-US" smtClean="0"/>
-              <a:t>2022/2/11</a:t>
+              <a:t>2022/2/12</a:t>
             </a:fld>
             <a:endParaRPr kumimoji="1" lang="ja-JP" altLang="en-US"/>
           </a:p>
@@ -1623,7 +1635,7 @@
           <a:p>
             <a:fld id="{9442C418-E88E-43F4-A5CE-84312E85B8D7}" type="datetimeFigureOut">
               <a:rPr kumimoji="1" lang="ja-JP" altLang="en-US" smtClean="0"/>
-              <a:t>2022/2/11</a:t>
+              <a:t>2022/2/12</a:t>
             </a:fld>
             <a:endParaRPr kumimoji="1" lang="ja-JP" altLang="en-US"/>
           </a:p>
@@ -2034,7 +2046,7 @@
           <a:p>
             <a:fld id="{9442C418-E88E-43F4-A5CE-84312E85B8D7}" type="datetimeFigureOut">
               <a:rPr kumimoji="1" lang="ja-JP" altLang="en-US" smtClean="0"/>
-              <a:t>2022/2/11</a:t>
+              <a:t>2022/2/12</a:t>
             </a:fld>
             <a:endParaRPr kumimoji="1" lang="ja-JP" altLang="en-US"/>
           </a:p>
@@ -2152,7 +2164,7 @@
           <a:p>
             <a:fld id="{9442C418-E88E-43F4-A5CE-84312E85B8D7}" type="datetimeFigureOut">
               <a:rPr kumimoji="1" lang="ja-JP" altLang="en-US" smtClean="0"/>
-              <a:t>2022/2/11</a:t>
+              <a:t>2022/2/12</a:t>
             </a:fld>
             <a:endParaRPr kumimoji="1" lang="ja-JP" altLang="en-US"/>
           </a:p>
@@ -2270,7 +2282,7 @@
           <a:p>
             <a:fld id="{9442C418-E88E-43F4-A5CE-84312E85B8D7}" type="datetimeFigureOut">
               <a:rPr kumimoji="1" lang="ja-JP" altLang="en-US" smtClean="0"/>
-              <a:t>2022/2/11</a:t>
+              <a:t>2022/2/12</a:t>
             </a:fld>
             <a:endParaRPr kumimoji="1" lang="ja-JP" altLang="en-US"/>
           </a:p>
@@ -2586,7 +2598,7 @@
           <a:p>
             <a:fld id="{9442C418-E88E-43F4-A5CE-84312E85B8D7}" type="datetimeFigureOut">
               <a:rPr kumimoji="1" lang="ja-JP" altLang="en-US" smtClean="0"/>
-              <a:t>2022/2/11</a:t>
+              <a:t>2022/2/12</a:t>
             </a:fld>
             <a:endParaRPr kumimoji="1" lang="ja-JP" altLang="en-US"/>
           </a:p>
@@ -2788,7 +2800,7 @@
           <a:p>
             <a:fld id="{9442C418-E88E-43F4-A5CE-84312E85B8D7}" type="datetimeFigureOut">
               <a:rPr kumimoji="1" lang="ja-JP" altLang="en-US" smtClean="0"/>
-              <a:t>2022/2/11</a:t>
+              <a:t>2022/2/12</a:t>
             </a:fld>
             <a:endParaRPr kumimoji="1" lang="ja-JP" altLang="en-US"/>
           </a:p>
@@ -3052,7 +3064,7 @@
           <a:p>
             <a:fld id="{9442C418-E88E-43F4-A5CE-84312E85B8D7}" type="datetimeFigureOut">
               <a:rPr kumimoji="1" lang="ja-JP" altLang="en-US" smtClean="0"/>
-              <a:t>2022/2/11</a:t>
+              <a:t>2022/2/12</a:t>
             </a:fld>
             <a:endParaRPr kumimoji="1" lang="ja-JP" altLang="en-US"/>
           </a:p>
@@ -3254,7 +3266,7 @@
           <a:p>
             <a:fld id="{9442C418-E88E-43F4-A5CE-84312E85B8D7}" type="datetimeFigureOut">
               <a:rPr kumimoji="1" lang="ja-JP" altLang="en-US" smtClean="0"/>
-              <a:t>2022/2/11</a:t>
+              <a:t>2022/2/12</a:t>
             </a:fld>
             <a:endParaRPr kumimoji="1" lang="ja-JP" altLang="en-US"/>
           </a:p>
@@ -3466,7 +3478,7 @@
           <a:p>
             <a:fld id="{9442C418-E88E-43F4-A5CE-84312E85B8D7}" type="datetimeFigureOut">
               <a:rPr kumimoji="1" lang="ja-JP" altLang="en-US" smtClean="0"/>
-              <a:t>2022/2/11</a:t>
+              <a:t>2022/2/12</a:t>
             </a:fld>
             <a:endParaRPr kumimoji="1" lang="ja-JP" altLang="en-US"/>
           </a:p>
@@ -4249,7 +4261,7 @@
           <a:p>
             <a:fld id="{9442C418-E88E-43F4-A5CE-84312E85B8D7}" type="datetimeFigureOut">
               <a:rPr kumimoji="1" lang="ja-JP" altLang="en-US" smtClean="0"/>
-              <a:t>2022/2/11</a:t>
+              <a:t>2022/2/12</a:t>
             </a:fld>
             <a:endParaRPr kumimoji="1" lang="ja-JP" altLang="en-US"/>
           </a:p>
@@ -4457,7 +4469,7 @@
           <a:p>
             <a:fld id="{9442C418-E88E-43F4-A5CE-84312E85B8D7}" type="datetimeFigureOut">
               <a:rPr kumimoji="1" lang="ja-JP" altLang="en-US" smtClean="0"/>
-              <a:t>2022/2/11</a:t>
+              <a:t>2022/2/12</a:t>
             </a:fld>
             <a:endParaRPr kumimoji="1" lang="ja-JP" altLang="en-US"/>
           </a:p>
@@ -4704,7 +4716,7 @@
           <a:p>
             <a:fld id="{9442C418-E88E-43F4-A5CE-84312E85B8D7}" type="datetimeFigureOut">
               <a:rPr kumimoji="1" lang="ja-JP" altLang="en-US" smtClean="0"/>
-              <a:t>2022/2/11</a:t>
+              <a:t>2022/2/12</a:t>
             </a:fld>
             <a:endParaRPr kumimoji="1" lang="ja-JP" altLang="en-US"/>
           </a:p>
@@ -5000,7 +5012,7 @@
           <a:p>
             <a:fld id="{9442C418-E88E-43F4-A5CE-84312E85B8D7}" type="datetimeFigureOut">
               <a:rPr kumimoji="1" lang="ja-JP" altLang="en-US" smtClean="0"/>
-              <a:t>2022/2/11</a:t>
+              <a:t>2022/2/12</a:t>
             </a:fld>
             <a:endParaRPr kumimoji="1" lang="ja-JP" altLang="en-US"/>
           </a:p>
@@ -5438,7 +5450,7 @@
           <a:p>
             <a:fld id="{9442C418-E88E-43F4-A5CE-84312E85B8D7}" type="datetimeFigureOut">
               <a:rPr kumimoji="1" lang="ja-JP" altLang="en-US" smtClean="0"/>
-              <a:t>2022/2/11</a:t>
+              <a:t>2022/2/12</a:t>
             </a:fld>
             <a:endParaRPr kumimoji="1" lang="ja-JP" altLang="en-US"/>
           </a:p>
@@ -5561,7 +5573,7 @@
           <a:p>
             <a:fld id="{9442C418-E88E-43F4-A5CE-84312E85B8D7}" type="datetimeFigureOut">
               <a:rPr kumimoji="1" lang="ja-JP" altLang="en-US" smtClean="0"/>
-              <a:t>2022/2/11</a:t>
+              <a:t>2022/2/12</a:t>
             </a:fld>
             <a:endParaRPr kumimoji="1" lang="ja-JP" altLang="en-US"/>
           </a:p>
@@ -5656,7 +5668,7 @@
           <a:p>
             <a:fld id="{9442C418-E88E-43F4-A5CE-84312E85B8D7}" type="datetimeFigureOut">
               <a:rPr kumimoji="1" lang="ja-JP" altLang="en-US" smtClean="0"/>
-              <a:t>2022/2/11</a:t>
+              <a:t>2022/2/12</a:t>
             </a:fld>
             <a:endParaRPr kumimoji="1" lang="ja-JP" altLang="en-US"/>
           </a:p>
@@ -5907,7 +5919,7 @@
           <a:p>
             <a:fld id="{9442C418-E88E-43F4-A5CE-84312E85B8D7}" type="datetimeFigureOut">
               <a:rPr kumimoji="1" lang="ja-JP" altLang="en-US" smtClean="0"/>
-              <a:t>2022/2/11</a:t>
+              <a:t>2022/2/12</a:t>
             </a:fld>
             <a:endParaRPr kumimoji="1" lang="ja-JP" altLang="en-US"/>
           </a:p>
@@ -6194,7 +6206,7 @@
           <a:p>
             <a:fld id="{9442C418-E88E-43F4-A5CE-84312E85B8D7}" type="datetimeFigureOut">
               <a:rPr kumimoji="1" lang="ja-JP" altLang="en-US" smtClean="0"/>
-              <a:t>2022/2/11</a:t>
+              <a:t>2022/2/12</a:t>
             </a:fld>
             <a:endParaRPr kumimoji="1" lang="ja-JP" altLang="en-US"/>
           </a:p>
@@ -6457,7 +6469,7 @@
           <a:p>
             <a:fld id="{9442C418-E88E-43F4-A5CE-84312E85B8D7}" type="datetimeFigureOut">
               <a:rPr kumimoji="1" lang="ja-JP" altLang="en-US" smtClean="0"/>
-              <a:t>2022/2/11</a:t>
+              <a:t>2022/2/12</a:t>
             </a:fld>
             <a:endParaRPr kumimoji="1" lang="ja-JP" altLang="en-US"/>
           </a:p>
@@ -6708,7 +6720,7 @@
           <a:p>
             <a:fld id="{9442C418-E88E-43F4-A5CE-84312E85B8D7}" type="datetimeFigureOut">
               <a:rPr kumimoji="1" lang="ja-JP" altLang="en-US" smtClean="0"/>
-              <a:t>2022/2/11</a:t>
+              <a:t>2022/2/12</a:t>
             </a:fld>
             <a:endParaRPr kumimoji="1" lang="ja-JP" altLang="en-US"/>
           </a:p>
@@ -7022,7 +7034,7 @@
           <a:p>
             <a:fld id="{9442C418-E88E-43F4-A5CE-84312E85B8D7}" type="datetimeFigureOut">
               <a:rPr kumimoji="1" lang="ja-JP" altLang="en-US" smtClean="0"/>
-              <a:t>2022/2/11</a:t>
+              <a:t>2022/2/12</a:t>
             </a:fld>
             <a:endParaRPr kumimoji="1" lang="ja-JP" altLang="en-US"/>
           </a:p>
@@ -7363,7 +7375,7 @@
           <a:p>
             <a:fld id="{9442C418-E88E-43F4-A5CE-84312E85B8D7}" type="datetimeFigureOut">
               <a:rPr kumimoji="1" lang="ja-JP" altLang="en-US" smtClean="0"/>
-              <a:t>2022/2/11</a:t>
+              <a:t>2022/2/12</a:t>
             </a:fld>
             <a:endParaRPr kumimoji="1" lang="ja-JP" altLang="en-US"/>
           </a:p>
@@ -7677,7 +7689,7 @@
           <a:p>
             <a:fld id="{9442C418-E88E-43F4-A5CE-84312E85B8D7}" type="datetimeFigureOut">
               <a:rPr kumimoji="1" lang="ja-JP" altLang="en-US" smtClean="0"/>
-              <a:t>2022/2/11</a:t>
+              <a:t>2022/2/12</a:t>
             </a:fld>
             <a:endParaRPr kumimoji="1" lang="ja-JP" altLang="en-US"/>
           </a:p>
@@ -8070,7 +8082,7 @@
           <a:p>
             <a:fld id="{9442C418-E88E-43F4-A5CE-84312E85B8D7}" type="datetimeFigureOut">
               <a:rPr kumimoji="1" lang="ja-JP" altLang="en-US" smtClean="0"/>
-              <a:t>2022/2/11</a:t>
+              <a:t>2022/2/12</a:t>
             </a:fld>
             <a:endParaRPr kumimoji="1" lang="ja-JP" altLang="en-US"/>
           </a:p>
@@ -8272,7 +8284,7 @@
           <a:p>
             <a:fld id="{9442C418-E88E-43F4-A5CE-84312E85B8D7}" type="datetimeFigureOut">
               <a:rPr kumimoji="1" lang="ja-JP" altLang="en-US" smtClean="0"/>
-              <a:t>2022/2/11</a:t>
+              <a:t>2022/2/12</a:t>
             </a:fld>
             <a:endParaRPr kumimoji="1" lang="ja-JP" altLang="en-US"/>
           </a:p>
@@ -8484,7 +8496,7 @@
           <a:p>
             <a:fld id="{9442C418-E88E-43F4-A5CE-84312E85B8D7}" type="datetimeFigureOut">
               <a:rPr kumimoji="1" lang="ja-JP" altLang="en-US" smtClean="0"/>
-              <a:t>2022/2/11</a:t>
+              <a:t>2022/2/12</a:t>
             </a:fld>
             <a:endParaRPr kumimoji="1" lang="ja-JP" altLang="en-US"/>
           </a:p>
@@ -8780,7 +8792,7 @@
           <a:p>
             <a:fld id="{9442C418-E88E-43F4-A5CE-84312E85B8D7}" type="datetimeFigureOut">
               <a:rPr kumimoji="1" lang="ja-JP" altLang="en-US" smtClean="0"/>
-              <a:t>2022/2/11</a:t>
+              <a:t>2022/2/12</a:t>
             </a:fld>
             <a:endParaRPr kumimoji="1" lang="ja-JP" altLang="en-US"/>
           </a:p>
@@ -9191,7 +9203,7 @@
           <a:p>
             <a:fld id="{9442C418-E88E-43F4-A5CE-84312E85B8D7}" type="datetimeFigureOut">
               <a:rPr kumimoji="1" lang="ja-JP" altLang="en-US" smtClean="0"/>
-              <a:t>2022/2/11</a:t>
+              <a:t>2022/2/12</a:t>
             </a:fld>
             <a:endParaRPr kumimoji="1" lang="ja-JP" altLang="en-US"/>
           </a:p>
@@ -9309,7 +9321,7 @@
           <a:p>
             <a:fld id="{9442C418-E88E-43F4-A5CE-84312E85B8D7}" type="datetimeFigureOut">
               <a:rPr kumimoji="1" lang="ja-JP" altLang="en-US" smtClean="0"/>
-              <a:t>2022/2/11</a:t>
+              <a:t>2022/2/12</a:t>
             </a:fld>
             <a:endParaRPr kumimoji="1" lang="ja-JP" altLang="en-US"/>
           </a:p>
@@ -9427,7 +9439,7 @@
           <a:p>
             <a:fld id="{9442C418-E88E-43F4-A5CE-84312E85B8D7}" type="datetimeFigureOut">
               <a:rPr kumimoji="1" lang="ja-JP" altLang="en-US" smtClean="0"/>
-              <a:t>2022/2/11</a:t>
+              <a:t>2022/2/12</a:t>
             </a:fld>
             <a:endParaRPr kumimoji="1" lang="ja-JP" altLang="en-US"/>
           </a:p>
@@ -9743,7 +9755,7 @@
           <a:p>
             <a:fld id="{9442C418-E88E-43F4-A5CE-84312E85B8D7}" type="datetimeFigureOut">
               <a:rPr kumimoji="1" lang="ja-JP" altLang="en-US" smtClean="0"/>
-              <a:t>2022/2/11</a:t>
+              <a:t>2022/2/12</a:t>
             </a:fld>
             <a:endParaRPr kumimoji="1" lang="ja-JP" altLang="en-US"/>
           </a:p>
@@ -10007,7 +10019,7 @@
           <a:p>
             <a:fld id="{9442C418-E88E-43F4-A5CE-84312E85B8D7}" type="datetimeFigureOut">
               <a:rPr kumimoji="1" lang="ja-JP" altLang="en-US" smtClean="0"/>
-              <a:t>2022/2/11</a:t>
+              <a:t>2022/2/12</a:t>
             </a:fld>
             <a:endParaRPr kumimoji="1" lang="ja-JP" altLang="en-US"/>
           </a:p>
@@ -10253,7 +10265,7 @@
           <a:p>
             <a:fld id="{9442C418-E88E-43F4-A5CE-84312E85B8D7}" type="datetimeFigureOut">
               <a:rPr kumimoji="1" lang="ja-JP" altLang="en-US" smtClean="0"/>
-              <a:t>2022/2/11</a:t>
+              <a:t>2022/2/12</a:t>
             </a:fld>
             <a:endParaRPr kumimoji="1" lang="ja-JP" altLang="en-US"/>
           </a:p>
@@ -10815,7 +10827,7 @@
           <a:p>
             <a:fld id="{9442C418-E88E-43F4-A5CE-84312E85B8D7}" type="datetimeFigureOut">
               <a:rPr kumimoji="1" lang="ja-JP" altLang="en-US" smtClean="0"/>
-              <a:t>2022/2/11</a:t>
+              <a:t>2022/2/12</a:t>
             </a:fld>
             <a:endParaRPr kumimoji="1" lang="ja-JP" altLang="en-US"/>
           </a:p>
@@ -11906,7 +11918,7 @@
           <a:p>
             <a:fld id="{9442C418-E88E-43F4-A5CE-84312E85B8D7}" type="datetimeFigureOut">
               <a:rPr kumimoji="1" lang="ja-JP" altLang="en-US" smtClean="0"/>
-              <a:t>2022/2/11</a:t>
+              <a:t>2022/2/12</a:t>
             </a:fld>
             <a:endParaRPr kumimoji="1" lang="ja-JP" altLang="en-US"/>
           </a:p>
@@ -12485,6 +12497,842 @@
 </p:sld>
 </file>
 
+<file path=ppt/slides/slide10.xml><?xml version="1.0" encoding="utf-8"?>
+<p:sld xmlns:a="http://schemas.openxmlformats.org/drawingml/2006/main" xmlns:r="http://schemas.openxmlformats.org/officeDocument/2006/relationships" xmlns:p="http://schemas.openxmlformats.org/presentationml/2006/main">
+  <p:cSld>
+    <p:spTree>
+      <p:nvGrpSpPr>
+        <p:cNvPr id="1" name=""/>
+        <p:cNvGrpSpPr/>
+        <p:nvPr/>
+      </p:nvGrpSpPr>
+      <p:grpSpPr>
+        <a:xfrm>
+          <a:off x="0" y="0"/>
+          <a:ext cx="0" cy="0"/>
+          <a:chOff x="0" y="0"/>
+          <a:chExt cx="0" cy="0"/>
+        </a:xfrm>
+      </p:grpSpPr>
+      <p:sp>
+        <p:nvSpPr>
+          <p:cNvPr id="2" name="タイトル 1"/>
+          <p:cNvSpPr>
+            <a:spLocks noGrp="1"/>
+          </p:cNvSpPr>
+          <p:nvPr>
+            <p:ph type="title"/>
+          </p:nvPr>
+        </p:nvSpPr>
+        <p:spPr/>
+        <p:txBody>
+          <a:bodyPr>
+            <a:normAutofit/>
+          </a:bodyPr>
+          <a:lstStyle/>
+          <a:p>
+            <a:r>
+              <a:rPr lang="ja-JP" altLang="en-US" dirty="0"/>
+              <a:t>役割発表</a:t>
+            </a:r>
+            <a:endParaRPr lang="en-US" altLang="ja-JP" dirty="0"/>
+          </a:p>
+        </p:txBody>
+      </p:sp>
+      <p:sp>
+        <p:nvSpPr>
+          <p:cNvPr id="3" name="コンテンツ プレースホルダー 2"/>
+          <p:cNvSpPr>
+            <a:spLocks noGrp="1"/>
+          </p:cNvSpPr>
+          <p:nvPr>
+            <p:ph idx="1"/>
+          </p:nvPr>
+        </p:nvSpPr>
+        <p:spPr>
+          <a:xfrm>
+            <a:off x="677334" y="1292469"/>
+            <a:ext cx="8596668" cy="4748893"/>
+          </a:xfrm>
+        </p:spPr>
+        <p:txBody>
+          <a:bodyPr>
+            <a:normAutofit fontScale="62500" lnSpcReduction="20000"/>
+          </a:bodyPr>
+          <a:lstStyle/>
+          <a:p>
+            <a:r>
+              <a:rPr lang="en-US" altLang="ja-JP" dirty="0"/>
+              <a:t>【</a:t>
+            </a:r>
+            <a:r>
+              <a:rPr lang="ja-JP" altLang="en-US" dirty="0"/>
+              <a:t>西尾</a:t>
+            </a:r>
+            <a:r>
+              <a:rPr lang="en-US" altLang="ja-JP" dirty="0"/>
+              <a:t>S】</a:t>
+            </a:r>
+          </a:p>
+          <a:p>
+            <a:r>
+              <a:rPr lang="ja-JP" altLang="en-US" dirty="0"/>
+              <a:t>役職：リーダー</a:t>
+            </a:r>
+          </a:p>
+          <a:p>
+            <a:r>
+              <a:rPr lang="ja-JP" altLang="en-US" dirty="0"/>
+              <a:t>作業：技術的要素１項目（例：キャラクターの回転スクリプト）の講師</a:t>
+            </a:r>
+          </a:p>
+          <a:p>
+            <a:r>
+              <a:rPr lang="ja-JP" altLang="en-US" dirty="0"/>
+              <a:t>進捗管理と、責任者への</a:t>
+            </a:r>
+            <a:r>
+              <a:rPr lang="ja-JP" altLang="en-US" dirty="0" smtClean="0"/>
+              <a:t>報告</a:t>
+            </a:r>
+            <a:endParaRPr lang="en-US" altLang="ja-JP" dirty="0" smtClean="0"/>
+          </a:p>
+          <a:p>
+            <a:endParaRPr lang="ja-JP" altLang="en-US" dirty="0"/>
+          </a:p>
+          <a:p>
+            <a:r>
+              <a:rPr lang="en-US" altLang="ja-JP" dirty="0"/>
+              <a:t>【</a:t>
+            </a:r>
+            <a:r>
+              <a:rPr lang="ja-JP" altLang="en-US" dirty="0"/>
+              <a:t>藤田</a:t>
+            </a:r>
+            <a:r>
+              <a:rPr lang="en-US" altLang="ja-JP" dirty="0"/>
+              <a:t>】</a:t>
+            </a:r>
+          </a:p>
+          <a:p>
+            <a:r>
+              <a:rPr lang="ja-JP" altLang="en-US" dirty="0"/>
+              <a:t>役職：サブリーダー</a:t>
+            </a:r>
+          </a:p>
+          <a:p>
+            <a:r>
+              <a:rPr lang="ja-JP" altLang="en-US" dirty="0"/>
+              <a:t>作業：会議、打ち合わせのファシリテーター</a:t>
+            </a:r>
+          </a:p>
+          <a:p>
+            <a:r>
+              <a:rPr lang="ja-JP" altLang="en-US" dirty="0"/>
+              <a:t>月初に出欠確認を行う</a:t>
+            </a:r>
+          </a:p>
+          <a:p>
+            <a:endParaRPr lang="en-US" altLang="ja-JP" dirty="0" smtClean="0"/>
+          </a:p>
+          <a:p>
+            <a:r>
+              <a:rPr lang="en-US" altLang="ja-JP" dirty="0" smtClean="0"/>
+              <a:t>【</a:t>
+            </a:r>
+            <a:r>
+              <a:rPr lang="ja-JP" altLang="en-US" dirty="0"/>
+              <a:t>立山</a:t>
+            </a:r>
+            <a:r>
+              <a:rPr lang="en-US" altLang="ja-JP" dirty="0"/>
+              <a:t>】</a:t>
+            </a:r>
+          </a:p>
+          <a:p>
+            <a:r>
+              <a:rPr lang="ja-JP" altLang="en-US" dirty="0"/>
+              <a:t>役職：ムードメーカー</a:t>
+            </a:r>
+          </a:p>
+          <a:p>
+            <a:r>
+              <a:rPr lang="ja-JP" altLang="en-US" dirty="0"/>
+              <a:t>作業：打ち合わせの質問事項について必ず１回は発言する（意見なしでも可）</a:t>
+            </a:r>
+          </a:p>
+          <a:p>
+            <a:endParaRPr lang="en-US" altLang="ja-JP" dirty="0" smtClean="0"/>
+          </a:p>
+          <a:p>
+            <a:r>
+              <a:rPr lang="en-US" altLang="ja-JP" dirty="0" smtClean="0"/>
+              <a:t>【</a:t>
+            </a:r>
+            <a:r>
+              <a:rPr lang="ja-JP" altLang="en-US" dirty="0"/>
+              <a:t>原</a:t>
+            </a:r>
+            <a:r>
+              <a:rPr lang="en-US" altLang="ja-JP" dirty="0"/>
+              <a:t>】</a:t>
+            </a:r>
+          </a:p>
+          <a:p>
+            <a:r>
+              <a:rPr lang="ja-JP" altLang="en-US" dirty="0"/>
+              <a:t>役職：技術屋</a:t>
+            </a:r>
+          </a:p>
+          <a:p>
+            <a:r>
+              <a:rPr lang="ja-JP" altLang="en-US" dirty="0"/>
+              <a:t>作業：技術的要素１項目（例：キャラクターの回転スクリプト）の講師</a:t>
+            </a:r>
+          </a:p>
+          <a:p>
+            <a:r>
+              <a:rPr lang="ja-JP" altLang="en-US" dirty="0"/>
+              <a:t>西尾</a:t>
+            </a:r>
+            <a:r>
+              <a:rPr lang="en-US" altLang="ja-JP" dirty="0"/>
+              <a:t>S,</a:t>
+            </a:r>
+            <a:r>
+              <a:rPr lang="ja-JP" altLang="en-US" dirty="0"/>
+              <a:t>原の講義は４月に行う（準備期間２ヶ月予定</a:t>
+            </a:r>
+            <a:endParaRPr lang="en-US" altLang="ja-JP" dirty="0" smtClean="0"/>
+          </a:p>
+        </p:txBody>
+      </p:sp>
+    </p:spTree>
+    <p:extLst>
+      <p:ext uri="{BB962C8B-B14F-4D97-AF65-F5344CB8AC3E}">
+        <p14:creationId xmlns:p14="http://schemas.microsoft.com/office/powerpoint/2010/main" val="3732697953"/>
+      </p:ext>
+    </p:extLst>
+  </p:cSld>
+  <p:clrMapOvr>
+    <a:masterClrMapping/>
+  </p:clrMapOvr>
+</p:sld>
+</file>
+
+<file path=ppt/slides/slide11.xml><?xml version="1.0" encoding="utf-8"?>
+<p:sld xmlns:a="http://schemas.openxmlformats.org/drawingml/2006/main" xmlns:r="http://schemas.openxmlformats.org/officeDocument/2006/relationships" xmlns:p="http://schemas.openxmlformats.org/presentationml/2006/main">
+  <p:cSld>
+    <p:spTree>
+      <p:nvGrpSpPr>
+        <p:cNvPr id="1" name=""/>
+        <p:cNvGrpSpPr/>
+        <p:nvPr/>
+      </p:nvGrpSpPr>
+      <p:grpSpPr>
+        <a:xfrm>
+          <a:off x="0" y="0"/>
+          <a:ext cx="0" cy="0"/>
+          <a:chOff x="0" y="0"/>
+          <a:chExt cx="0" cy="0"/>
+        </a:xfrm>
+      </p:grpSpPr>
+      <p:sp>
+        <p:nvSpPr>
+          <p:cNvPr id="2" name="タイトル 1"/>
+          <p:cNvSpPr>
+            <a:spLocks noGrp="1"/>
+          </p:cNvSpPr>
+          <p:nvPr>
+            <p:ph type="title"/>
+          </p:nvPr>
+        </p:nvSpPr>
+        <p:spPr/>
+        <p:txBody>
+          <a:bodyPr>
+            <a:normAutofit fontScale="90000"/>
+          </a:bodyPr>
+          <a:lstStyle/>
+          <a:p>
+            <a:r>
+              <a:rPr lang="ja-JP" altLang="en-US" dirty="0"/>
+              <a:t>必要事項洗い出し</a:t>
+            </a:r>
+            <a:br>
+              <a:rPr lang="ja-JP" altLang="en-US" dirty="0"/>
+            </a:br>
+            <a:r>
+              <a:rPr lang="ja-JP" altLang="en-US" dirty="0"/>
+              <a:t/>
+            </a:r>
+            <a:br>
+              <a:rPr lang="ja-JP" altLang="en-US" dirty="0"/>
+            </a:br>
+            <a:endParaRPr kumimoji="1" lang="ja-JP" altLang="en-US" dirty="0"/>
+          </a:p>
+        </p:txBody>
+      </p:sp>
+      <p:sp>
+        <p:nvSpPr>
+          <p:cNvPr id="3" name="コンテンツ プレースホルダー 2"/>
+          <p:cNvSpPr>
+            <a:spLocks noGrp="1"/>
+          </p:cNvSpPr>
+          <p:nvPr>
+            <p:ph idx="1"/>
+          </p:nvPr>
+        </p:nvSpPr>
+        <p:spPr>
+          <a:xfrm>
+            <a:off x="677334" y="1852858"/>
+            <a:ext cx="8596668" cy="3880773"/>
+          </a:xfrm>
+        </p:spPr>
+        <p:txBody>
+          <a:bodyPr/>
+          <a:lstStyle/>
+          <a:p>
+            <a:r>
+              <a:rPr lang="ja-JP" altLang="en-US" dirty="0" smtClean="0"/>
+              <a:t>サンプルゲームだけでも、手順書フォルダーの要素が必要です</a:t>
+            </a:r>
+            <a:endParaRPr lang="en-US" altLang="ja-JP" dirty="0" smtClean="0"/>
+          </a:p>
+          <a:p>
+            <a:r>
+              <a:rPr lang="ja-JP" altLang="en-US" dirty="0"/>
+              <a:t>完成</a:t>
+            </a:r>
+            <a:r>
+              <a:rPr lang="ja-JP" altLang="en-US" dirty="0" smtClean="0"/>
+              <a:t>までに必要な実装事項を洗い出しましょう</a:t>
+            </a:r>
+            <a:endParaRPr lang="en-US" altLang="ja-JP" dirty="0" smtClean="0"/>
+          </a:p>
+        </p:txBody>
+      </p:sp>
+      <p:pic>
+        <p:nvPicPr>
+          <p:cNvPr id="4" name="図 3"/>
+          <p:cNvPicPr>
+            <a:picLocks noChangeAspect="1"/>
+          </p:cNvPicPr>
+          <p:nvPr/>
+        </p:nvPicPr>
+        <p:blipFill>
+          <a:blip r:embed="rId2"/>
+          <a:stretch>
+            <a:fillRect/>
+          </a:stretch>
+        </p:blipFill>
+        <p:spPr>
+          <a:xfrm>
+            <a:off x="677334" y="2907199"/>
+            <a:ext cx="6806830" cy="3687032"/>
+          </a:xfrm>
+          <a:prstGeom prst="rect">
+            <a:avLst/>
+          </a:prstGeom>
+        </p:spPr>
+      </p:pic>
+    </p:spTree>
+    <p:extLst>
+      <p:ext uri="{BB962C8B-B14F-4D97-AF65-F5344CB8AC3E}">
+        <p14:creationId xmlns:p14="http://schemas.microsoft.com/office/powerpoint/2010/main" val="2103657447"/>
+      </p:ext>
+    </p:extLst>
+  </p:cSld>
+  <p:clrMapOvr>
+    <a:masterClrMapping/>
+  </p:clrMapOvr>
+</p:sld>
+</file>
+
+<file path=ppt/slides/slide12.xml><?xml version="1.0" encoding="utf-8"?>
+<p:sld xmlns:a="http://schemas.openxmlformats.org/drawingml/2006/main" xmlns:r="http://schemas.openxmlformats.org/officeDocument/2006/relationships" xmlns:p="http://schemas.openxmlformats.org/presentationml/2006/main">
+  <p:cSld>
+    <p:spTree>
+      <p:nvGrpSpPr>
+        <p:cNvPr id="1" name=""/>
+        <p:cNvGrpSpPr/>
+        <p:nvPr/>
+      </p:nvGrpSpPr>
+      <p:grpSpPr>
+        <a:xfrm>
+          <a:off x="0" y="0"/>
+          <a:ext cx="0" cy="0"/>
+          <a:chOff x="0" y="0"/>
+          <a:chExt cx="0" cy="0"/>
+        </a:xfrm>
+      </p:grpSpPr>
+      <p:sp>
+        <p:nvSpPr>
+          <p:cNvPr id="2" name="タイトル 1"/>
+          <p:cNvSpPr>
+            <a:spLocks noGrp="1"/>
+          </p:cNvSpPr>
+          <p:nvPr>
+            <p:ph type="title"/>
+          </p:nvPr>
+        </p:nvSpPr>
+        <p:spPr/>
+        <p:txBody>
+          <a:bodyPr>
+            <a:normAutofit fontScale="90000"/>
+          </a:bodyPr>
+          <a:lstStyle/>
+          <a:p>
+            <a:r>
+              <a:rPr lang="ja-JP" altLang="en-US" dirty="0" smtClean="0"/>
+              <a:t>担当について</a:t>
+            </a:r>
+            <a:r>
+              <a:rPr lang="ja-JP" altLang="en-US" dirty="0"/>
+              <a:t/>
+            </a:r>
+            <a:br>
+              <a:rPr lang="ja-JP" altLang="en-US" dirty="0"/>
+            </a:br>
+            <a:r>
+              <a:rPr lang="ja-JP" altLang="en-US" dirty="0"/>
+              <a:t/>
+            </a:r>
+            <a:br>
+              <a:rPr lang="ja-JP" altLang="en-US" dirty="0"/>
+            </a:br>
+            <a:endParaRPr kumimoji="1" lang="ja-JP" altLang="en-US" dirty="0"/>
+          </a:p>
+        </p:txBody>
+      </p:sp>
+      <p:sp>
+        <p:nvSpPr>
+          <p:cNvPr id="3" name="コンテンツ プレースホルダー 2"/>
+          <p:cNvSpPr>
+            <a:spLocks noGrp="1"/>
+          </p:cNvSpPr>
+          <p:nvPr>
+            <p:ph idx="1"/>
+          </p:nvPr>
+        </p:nvSpPr>
+        <p:spPr>
+          <a:xfrm>
+            <a:off x="677334" y="1413243"/>
+            <a:ext cx="8596668" cy="3880773"/>
+          </a:xfrm>
+        </p:spPr>
+        <p:txBody>
+          <a:bodyPr/>
+          <a:lstStyle/>
+          <a:p>
+            <a:r>
+              <a:rPr lang="ja-JP" altLang="en-US" dirty="0" smtClean="0"/>
+              <a:t>担当シーンは第二回目時にシナリオが決まってから、決定します</a:t>
+            </a:r>
+            <a:endParaRPr lang="en-US" altLang="ja-JP" dirty="0" smtClean="0"/>
+          </a:p>
+        </p:txBody>
+      </p:sp>
+      <p:pic>
+        <p:nvPicPr>
+          <p:cNvPr id="4" name="図 3"/>
+          <p:cNvPicPr>
+            <a:picLocks noChangeAspect="1"/>
+          </p:cNvPicPr>
+          <p:nvPr/>
+        </p:nvPicPr>
+        <p:blipFill>
+          <a:blip r:embed="rId2">
+            <a:extLst>
+              <a:ext uri="{28A0092B-C50C-407E-A947-70E740481C1C}">
+                <a14:useLocalDpi xmlns:a14="http://schemas.microsoft.com/office/drawing/2010/main" val="0"/>
+              </a:ext>
+            </a:extLst>
+          </a:blip>
+          <a:stretch>
+            <a:fillRect/>
+          </a:stretch>
+        </p:blipFill>
+        <p:spPr>
+          <a:xfrm>
+            <a:off x="677334" y="1930400"/>
+            <a:ext cx="6321342" cy="4925666"/>
+          </a:xfrm>
+          <a:prstGeom prst="rect">
+            <a:avLst/>
+          </a:prstGeom>
+        </p:spPr>
+      </p:pic>
+    </p:spTree>
+    <p:extLst>
+      <p:ext uri="{BB962C8B-B14F-4D97-AF65-F5344CB8AC3E}">
+        <p14:creationId xmlns:p14="http://schemas.microsoft.com/office/powerpoint/2010/main" val="4156099414"/>
+      </p:ext>
+    </p:extLst>
+  </p:cSld>
+  <p:clrMapOvr>
+    <a:masterClrMapping/>
+  </p:clrMapOvr>
+</p:sld>
+</file>
+
+<file path=ppt/slides/slide13.xml><?xml version="1.0" encoding="utf-8"?>
+<p:sld xmlns:a="http://schemas.openxmlformats.org/drawingml/2006/main" xmlns:r="http://schemas.openxmlformats.org/officeDocument/2006/relationships" xmlns:p="http://schemas.openxmlformats.org/presentationml/2006/main">
+  <p:cSld>
+    <p:spTree>
+      <p:nvGrpSpPr>
+        <p:cNvPr id="1" name=""/>
+        <p:cNvGrpSpPr/>
+        <p:nvPr/>
+      </p:nvGrpSpPr>
+      <p:grpSpPr>
+        <a:xfrm>
+          <a:off x="0" y="0"/>
+          <a:ext cx="0" cy="0"/>
+          <a:chOff x="0" y="0"/>
+          <a:chExt cx="0" cy="0"/>
+        </a:xfrm>
+      </p:grpSpPr>
+      <p:sp>
+        <p:nvSpPr>
+          <p:cNvPr id="2" name="タイトル 1"/>
+          <p:cNvSpPr>
+            <a:spLocks noGrp="1"/>
+          </p:cNvSpPr>
+          <p:nvPr>
+            <p:ph type="title"/>
+          </p:nvPr>
+        </p:nvSpPr>
+        <p:spPr/>
+        <p:txBody>
+          <a:bodyPr>
+            <a:normAutofit/>
+          </a:bodyPr>
+          <a:lstStyle/>
+          <a:p>
+            <a:r>
+              <a:rPr lang="ja-JP" altLang="en-US" dirty="0" smtClean="0"/>
+              <a:t>マスタスケジュール</a:t>
+            </a:r>
+            <a:endParaRPr kumimoji="1" lang="ja-JP" altLang="en-US" dirty="0"/>
+          </a:p>
+        </p:txBody>
+      </p:sp>
+      <p:sp>
+        <p:nvSpPr>
+          <p:cNvPr id="3" name="コンテンツ プレースホルダー 2"/>
+          <p:cNvSpPr>
+            <a:spLocks noGrp="1"/>
+          </p:cNvSpPr>
+          <p:nvPr>
+            <p:ph idx="1"/>
+          </p:nvPr>
+        </p:nvSpPr>
+        <p:spPr>
+          <a:xfrm>
+            <a:off x="677334" y="1413243"/>
+            <a:ext cx="8596668" cy="3880773"/>
+          </a:xfrm>
+        </p:spPr>
+        <p:txBody>
+          <a:bodyPr/>
+          <a:lstStyle/>
+          <a:p>
+            <a:r>
+              <a:rPr lang="ja-JP" altLang="en-US" dirty="0"/>
+              <a:t>以下大枠のマスタスケジュールです</a:t>
+            </a:r>
+          </a:p>
+          <a:p>
+            <a:r>
+              <a:rPr lang="en-US" altLang="ja-JP" dirty="0"/>
+              <a:t>2</a:t>
+            </a:r>
+            <a:r>
+              <a:rPr lang="ja-JP" altLang="en-US" dirty="0"/>
+              <a:t>月</a:t>
+            </a:r>
+            <a:r>
+              <a:rPr lang="en-US" altLang="ja-JP" dirty="0"/>
+              <a:t>:</a:t>
+            </a:r>
+            <a:r>
+              <a:rPr lang="ja-JP" altLang="en-US" dirty="0"/>
+              <a:t>環境設定、方針決め</a:t>
+            </a:r>
+          </a:p>
+          <a:p>
+            <a:r>
+              <a:rPr lang="en-US" altLang="ja-JP" dirty="0"/>
+              <a:t>3</a:t>
+            </a:r>
+            <a:r>
+              <a:rPr lang="ja-JP" altLang="en-US" dirty="0"/>
+              <a:t>～</a:t>
+            </a:r>
+            <a:r>
+              <a:rPr lang="en-US" altLang="ja-JP" dirty="0"/>
+              <a:t>5</a:t>
+            </a:r>
+            <a:r>
+              <a:rPr lang="ja-JP" altLang="en-US" dirty="0"/>
+              <a:t>月</a:t>
+            </a:r>
+            <a:r>
+              <a:rPr lang="en-US" altLang="ja-JP" dirty="0"/>
+              <a:t>:</a:t>
+            </a:r>
+            <a:r>
+              <a:rPr lang="ja-JP" altLang="en-US" dirty="0"/>
+              <a:t>ジャンルにあわせての</a:t>
+            </a:r>
+            <a:r>
+              <a:rPr lang="ja-JP" altLang="en-US" dirty="0" smtClean="0"/>
+              <a:t>講義</a:t>
+            </a:r>
+            <a:endParaRPr lang="en-US" altLang="ja-JP" dirty="0" smtClean="0"/>
+          </a:p>
+          <a:p>
+            <a:r>
+              <a:rPr lang="ja-JP" altLang="en-US" dirty="0" smtClean="0"/>
+              <a:t>　　</a:t>
+            </a:r>
+            <a:r>
+              <a:rPr lang="en-US" altLang="ja-JP" dirty="0" smtClean="0"/>
+              <a:t>※</a:t>
+            </a:r>
+            <a:r>
+              <a:rPr lang="ja-JP" altLang="en-US" dirty="0"/>
+              <a:t>講義</a:t>
+            </a:r>
+            <a:r>
+              <a:rPr lang="ja-JP" altLang="en-US" dirty="0" smtClean="0"/>
+              <a:t>の</a:t>
+            </a:r>
+            <a:r>
+              <a:rPr lang="ja-JP" altLang="en-US" dirty="0"/>
+              <a:t>回数</a:t>
+            </a:r>
+            <a:r>
+              <a:rPr lang="ja-JP" altLang="en-US" dirty="0" smtClean="0"/>
+              <a:t>はボリューム次第で変更</a:t>
+            </a:r>
+            <a:endParaRPr lang="ja-JP" altLang="en-US" dirty="0"/>
+          </a:p>
+          <a:p>
+            <a:r>
+              <a:rPr lang="en-US" altLang="ja-JP" dirty="0"/>
+              <a:t>6</a:t>
+            </a:r>
+            <a:r>
+              <a:rPr lang="ja-JP" altLang="en-US" dirty="0"/>
+              <a:t>月</a:t>
+            </a:r>
+            <a:r>
+              <a:rPr lang="en-US" altLang="ja-JP" dirty="0"/>
+              <a:t>:</a:t>
+            </a:r>
+            <a:r>
+              <a:rPr lang="ja-JP" altLang="en-US" dirty="0"/>
+              <a:t>システム作成</a:t>
+            </a:r>
+            <a:endParaRPr lang="en-US" altLang="ja-JP" dirty="0" smtClean="0"/>
+          </a:p>
+        </p:txBody>
+      </p:sp>
+    </p:spTree>
+    <p:extLst>
+      <p:ext uri="{BB962C8B-B14F-4D97-AF65-F5344CB8AC3E}">
+        <p14:creationId xmlns:p14="http://schemas.microsoft.com/office/powerpoint/2010/main" val="3260204332"/>
+      </p:ext>
+    </p:extLst>
+  </p:cSld>
+  <p:clrMapOvr>
+    <a:masterClrMapping/>
+  </p:clrMapOvr>
+</p:sld>
+</file>
+
+<file path=ppt/slides/slide14.xml><?xml version="1.0" encoding="utf-8"?>
+<p:sld xmlns:a="http://schemas.openxmlformats.org/drawingml/2006/main" xmlns:r="http://schemas.openxmlformats.org/officeDocument/2006/relationships" xmlns:p="http://schemas.openxmlformats.org/presentationml/2006/main">
+  <p:cSld>
+    <p:spTree>
+      <p:nvGrpSpPr>
+        <p:cNvPr id="1" name=""/>
+        <p:cNvGrpSpPr/>
+        <p:nvPr/>
+      </p:nvGrpSpPr>
+      <p:grpSpPr>
+        <a:xfrm>
+          <a:off x="0" y="0"/>
+          <a:ext cx="0" cy="0"/>
+          <a:chOff x="0" y="0"/>
+          <a:chExt cx="0" cy="0"/>
+        </a:xfrm>
+      </p:grpSpPr>
+      <p:sp>
+        <p:nvSpPr>
+          <p:cNvPr id="2" name="タイトル 1"/>
+          <p:cNvSpPr>
+            <a:spLocks noGrp="1"/>
+          </p:cNvSpPr>
+          <p:nvPr>
+            <p:ph type="title"/>
+          </p:nvPr>
+        </p:nvSpPr>
+        <p:spPr/>
+        <p:txBody>
+          <a:bodyPr>
+            <a:normAutofit/>
+          </a:bodyPr>
+          <a:lstStyle/>
+          <a:p>
+            <a:r>
+              <a:rPr lang="en-US" altLang="ja-JP" dirty="0" smtClean="0"/>
+              <a:t>Unity</a:t>
+            </a:r>
+            <a:r>
+              <a:rPr lang="ja-JP" altLang="en-US" dirty="0" smtClean="0"/>
+              <a:t>の利用</a:t>
+            </a:r>
+            <a:endParaRPr kumimoji="1" lang="ja-JP" altLang="en-US" dirty="0"/>
+          </a:p>
+        </p:txBody>
+      </p:sp>
+      <p:sp>
+        <p:nvSpPr>
+          <p:cNvPr id="3" name="コンテンツ プレースホルダー 2"/>
+          <p:cNvSpPr>
+            <a:spLocks noGrp="1"/>
+          </p:cNvSpPr>
+          <p:nvPr>
+            <p:ph idx="1"/>
+          </p:nvPr>
+        </p:nvSpPr>
+        <p:spPr>
+          <a:xfrm>
+            <a:off x="677334" y="1413243"/>
+            <a:ext cx="8596668" cy="3880773"/>
+          </a:xfrm>
+        </p:spPr>
+        <p:txBody>
+          <a:bodyPr/>
+          <a:lstStyle/>
+          <a:p>
+            <a:r>
+              <a:rPr lang="ja-JP" altLang="en-US" dirty="0"/>
+              <a:t>以下大枠のマスタスケジュールです</a:t>
+            </a:r>
+          </a:p>
+          <a:p>
+            <a:r>
+              <a:rPr lang="en-US" altLang="ja-JP" dirty="0"/>
+              <a:t>2</a:t>
+            </a:r>
+            <a:r>
+              <a:rPr lang="ja-JP" altLang="en-US" dirty="0"/>
+              <a:t>月</a:t>
+            </a:r>
+            <a:r>
+              <a:rPr lang="en-US" altLang="ja-JP" dirty="0"/>
+              <a:t>:</a:t>
+            </a:r>
+            <a:r>
+              <a:rPr lang="ja-JP" altLang="en-US" dirty="0"/>
+              <a:t>環境設定、方針決め</a:t>
+            </a:r>
+          </a:p>
+          <a:p>
+            <a:r>
+              <a:rPr lang="en-US" altLang="ja-JP" dirty="0"/>
+              <a:t>3</a:t>
+            </a:r>
+            <a:r>
+              <a:rPr lang="ja-JP" altLang="en-US" dirty="0"/>
+              <a:t>～</a:t>
+            </a:r>
+            <a:r>
+              <a:rPr lang="en-US" altLang="ja-JP" dirty="0"/>
+              <a:t>5</a:t>
+            </a:r>
+            <a:r>
+              <a:rPr lang="ja-JP" altLang="en-US" dirty="0"/>
+              <a:t>月</a:t>
+            </a:r>
+            <a:r>
+              <a:rPr lang="en-US" altLang="ja-JP" dirty="0"/>
+              <a:t>:</a:t>
+            </a:r>
+            <a:r>
+              <a:rPr lang="ja-JP" altLang="en-US" dirty="0"/>
+              <a:t>ジャンルにあわせての</a:t>
+            </a:r>
+            <a:r>
+              <a:rPr lang="ja-JP" altLang="en-US" dirty="0" smtClean="0"/>
+              <a:t>講義</a:t>
+            </a:r>
+            <a:endParaRPr lang="en-US" altLang="ja-JP" dirty="0" smtClean="0"/>
+          </a:p>
+          <a:p>
+            <a:r>
+              <a:rPr lang="ja-JP" altLang="en-US" dirty="0" smtClean="0"/>
+              <a:t>　　</a:t>
+            </a:r>
+            <a:r>
+              <a:rPr lang="en-US" altLang="ja-JP" dirty="0" smtClean="0"/>
+              <a:t>※</a:t>
+            </a:r>
+            <a:r>
+              <a:rPr lang="ja-JP" altLang="en-US" dirty="0"/>
+              <a:t>講義</a:t>
+            </a:r>
+            <a:r>
+              <a:rPr lang="ja-JP" altLang="en-US" dirty="0" smtClean="0"/>
+              <a:t>の</a:t>
+            </a:r>
+            <a:r>
+              <a:rPr lang="ja-JP" altLang="en-US" dirty="0"/>
+              <a:t>回数</a:t>
+            </a:r>
+            <a:r>
+              <a:rPr lang="ja-JP" altLang="en-US" dirty="0" smtClean="0"/>
+              <a:t>はボリューム次第で変更</a:t>
+            </a:r>
+            <a:endParaRPr lang="ja-JP" altLang="en-US" dirty="0"/>
+          </a:p>
+          <a:p>
+            <a:r>
+              <a:rPr lang="en-US" altLang="ja-JP" dirty="0"/>
+              <a:t>6</a:t>
+            </a:r>
+            <a:r>
+              <a:rPr lang="ja-JP" altLang="en-US" dirty="0"/>
+              <a:t>月</a:t>
+            </a:r>
+            <a:r>
+              <a:rPr lang="en-US" altLang="ja-JP" dirty="0"/>
+              <a:t>:</a:t>
+            </a:r>
+            <a:r>
+              <a:rPr lang="ja-JP" altLang="en-US" dirty="0"/>
+              <a:t>システム作成</a:t>
+            </a:r>
+            <a:endParaRPr lang="en-US" altLang="ja-JP" dirty="0" smtClean="0"/>
+          </a:p>
+        </p:txBody>
+      </p:sp>
+    </p:spTree>
+    <p:extLst>
+      <p:ext uri="{BB962C8B-B14F-4D97-AF65-F5344CB8AC3E}">
+        <p14:creationId xmlns:p14="http://schemas.microsoft.com/office/powerpoint/2010/main" val="3018703657"/>
+      </p:ext>
+    </p:extLst>
+  </p:cSld>
+  <p:clrMapOvr>
+    <a:masterClrMapping/>
+  </p:clrMapOvr>
+</p:sld>
+</file>
+
 <file path=ppt/slides/slide2.xml><?xml version="1.0" encoding="utf-8"?>
 <p:sld xmlns:a="http://schemas.openxmlformats.org/drawingml/2006/main" xmlns:r="http://schemas.openxmlformats.org/officeDocument/2006/relationships" xmlns:p="http://schemas.openxmlformats.org/presentationml/2006/main">
   <p:cSld>
@@ -12512,119 +13360,55 @@
             <p:ph type="title"/>
           </p:nvPr>
         </p:nvSpPr>
-        <p:spPr/>
-        <p:txBody>
-          <a:bodyPr/>
-          <a:lstStyle/>
-          <a:p>
-            <a:r>
-              <a:rPr kumimoji="1" lang="ja-JP" altLang="en-US" dirty="0" smtClean="0"/>
-              <a:t>アジェンダ</a:t>
-            </a:r>
-            <a:endParaRPr kumimoji="1" lang="ja-JP" altLang="en-US" dirty="0"/>
-          </a:p>
-        </p:txBody>
-      </p:sp>
-      <p:sp>
-        <p:nvSpPr>
-          <p:cNvPr id="3" name="コンテンツ プレースホルダー 2"/>
-          <p:cNvSpPr>
-            <a:spLocks noGrp="1"/>
-          </p:cNvSpPr>
-          <p:nvPr>
-            <p:ph idx="1"/>
-          </p:nvPr>
-        </p:nvSpPr>
-        <p:spPr/>
-        <p:txBody>
-          <a:bodyPr/>
-          <a:lstStyle/>
-          <a:p>
-            <a:r>
-              <a:rPr kumimoji="1" lang="en-US" altLang="ja-JP" dirty="0" smtClean="0"/>
-              <a:t>Unity</a:t>
-            </a:r>
-            <a:r>
-              <a:rPr kumimoji="1" lang="ja-JP" altLang="en-US" dirty="0" smtClean="0"/>
-              <a:t>のダウンロード</a:t>
-            </a:r>
-            <a:endParaRPr kumimoji="1" lang="en-US" altLang="ja-JP" dirty="0" smtClean="0"/>
-          </a:p>
-          <a:p>
+        <p:spPr>
+          <a:xfrm>
+            <a:off x="659749" y="2517531"/>
+            <a:ext cx="8596668" cy="1320800"/>
+          </a:xfrm>
+        </p:spPr>
+        <p:txBody>
+          <a:bodyPr/>
+          <a:lstStyle/>
+          <a:p>
+            <a:r>
+              <a:rPr lang="ja-JP" altLang="en-US" dirty="0" smtClean="0"/>
+              <a:t>今回の研修は</a:t>
+            </a:r>
             <a:r>
               <a:rPr lang="en-US" altLang="ja-JP" dirty="0" smtClean="0"/>
-              <a:t>Unity</a:t>
-            </a:r>
-            <a:r>
-              <a:rPr lang="ja-JP" altLang="en-US" dirty="0" smtClean="0"/>
-              <a:t>の作成イメージ</a:t>
-            </a:r>
-            <a:endParaRPr lang="en-US" altLang="ja-JP" dirty="0" smtClean="0"/>
-          </a:p>
-          <a:p>
-            <a:r>
-              <a:rPr lang="ja-JP" altLang="en-US" dirty="0" smtClean="0"/>
-              <a:t>ジャンル</a:t>
+              <a:t/>
+            </a:r>
+            <a:br>
+              <a:rPr lang="en-US" altLang="ja-JP" dirty="0" smtClean="0"/>
+            </a:br>
+            <a:r>
+              <a:rPr lang="en-US" altLang="ja-JP" dirty="0" smtClean="0"/>
+              <a:t>C</a:t>
+            </a:r>
+            <a:r>
+              <a:rPr lang="en-US" altLang="ja-JP" dirty="0"/>
+              <a:t>#</a:t>
             </a:r>
             <a:r>
               <a:rPr lang="ja-JP" altLang="en-US" dirty="0"/>
-              <a:t>決</a:t>
-            </a:r>
-            <a:r>
-              <a:rPr lang="ja-JP" altLang="en-US" dirty="0" smtClean="0"/>
-              <a:t>め</a:t>
-            </a:r>
-            <a:endParaRPr lang="en-US" altLang="ja-JP" dirty="0" smtClean="0"/>
-          </a:p>
-          <a:p>
-            <a:r>
-              <a:rPr kumimoji="1" lang="ja-JP" altLang="en-US" dirty="0" smtClean="0"/>
-              <a:t>プランナー決め</a:t>
-            </a:r>
-            <a:endParaRPr kumimoji="1" lang="en-US" altLang="ja-JP" dirty="0" smtClean="0"/>
-          </a:p>
-          <a:p>
-            <a:r>
-              <a:rPr lang="ja-JP" altLang="en-US" dirty="0" smtClean="0"/>
-              <a:t>必要事項洗い出し</a:t>
-            </a:r>
-            <a:endParaRPr kumimoji="1" lang="en-US" altLang="ja-JP" dirty="0" smtClean="0"/>
-          </a:p>
-          <a:p>
-            <a:r>
-              <a:rPr lang="ja-JP" altLang="en-US" dirty="0" smtClean="0"/>
-              <a:t>担当発表</a:t>
-            </a:r>
-            <a:endParaRPr lang="en-US" altLang="ja-JP" dirty="0" smtClean="0"/>
-          </a:p>
-          <a:p>
-            <a:r>
-              <a:rPr lang="ja-JP" altLang="en-US" dirty="0" smtClean="0"/>
-              <a:t>役割</a:t>
+              <a:t>や</a:t>
+            </a:r>
+            <a:r>
+              <a:rPr lang="en-US" altLang="ja-JP" dirty="0"/>
+              <a:t>unity</a:t>
             </a:r>
             <a:r>
               <a:rPr lang="ja-JP" altLang="en-US" dirty="0"/>
-              <a:t>発表</a:t>
-            </a:r>
-            <a:endParaRPr lang="en-US" altLang="ja-JP" dirty="0" smtClean="0"/>
-          </a:p>
-          <a:p>
-            <a:r>
-              <a:rPr kumimoji="1" lang="en-US" altLang="ja-JP" dirty="0" smtClean="0"/>
-              <a:t>Unity</a:t>
-            </a:r>
-            <a:r>
-              <a:rPr kumimoji="1" lang="ja-JP" altLang="en-US" dirty="0" smtClean="0"/>
-              <a:t>の設定</a:t>
-            </a:r>
-            <a:endParaRPr kumimoji="1" lang="ja-JP" altLang="en-US" dirty="0"/>
+              <a:t>を利用したチーム開発研修です</a:t>
+            </a:r>
+            <a:endParaRPr lang="ja-JP" altLang="en-US" dirty="0"/>
           </a:p>
         </p:txBody>
       </p:sp>
     </p:spTree>
     <p:extLst>
       <p:ext uri="{BB962C8B-B14F-4D97-AF65-F5344CB8AC3E}">
-        <p14:creationId xmlns:p14="http://schemas.microsoft.com/office/powerpoint/2010/main" val="3417596043"/>
+        <p14:creationId xmlns:p14="http://schemas.microsoft.com/office/powerpoint/2010/main" val="1051664737"/>
       </p:ext>
     </p:extLst>
   </p:cSld>
@@ -12667,6 +13451,162 @@
           <a:lstStyle/>
           <a:p>
             <a:r>
+              <a:rPr kumimoji="1" lang="ja-JP" altLang="en-US" dirty="0" smtClean="0"/>
+              <a:t>アジェンダ</a:t>
+            </a:r>
+            <a:endParaRPr kumimoji="1" lang="ja-JP" altLang="en-US" dirty="0"/>
+          </a:p>
+        </p:txBody>
+      </p:sp>
+      <p:sp>
+        <p:nvSpPr>
+          <p:cNvPr id="3" name="コンテンツ プレースホルダー 2"/>
+          <p:cNvSpPr>
+            <a:spLocks noGrp="1"/>
+          </p:cNvSpPr>
+          <p:nvPr>
+            <p:ph idx="1"/>
+          </p:nvPr>
+        </p:nvSpPr>
+        <p:spPr/>
+        <p:txBody>
+          <a:bodyPr/>
+          <a:lstStyle/>
+          <a:p>
+            <a:r>
+              <a:rPr kumimoji="1" lang="en-US" altLang="ja-JP" dirty="0" smtClean="0"/>
+              <a:t>Unity</a:t>
+            </a:r>
+            <a:r>
+              <a:rPr kumimoji="1" lang="ja-JP" altLang="en-US" dirty="0" smtClean="0"/>
+              <a:t>のダウンロード</a:t>
+            </a:r>
+            <a:endParaRPr kumimoji="1" lang="en-US" altLang="ja-JP" dirty="0" smtClean="0"/>
+          </a:p>
+          <a:p>
+            <a:r>
+              <a:rPr lang="en-US" altLang="ja-JP" dirty="0" smtClean="0"/>
+              <a:t>Unity</a:t>
+            </a:r>
+            <a:r>
+              <a:rPr lang="ja-JP" altLang="en-US" dirty="0" smtClean="0"/>
+              <a:t>の作成イメージ</a:t>
+            </a:r>
+            <a:endParaRPr lang="en-US" altLang="ja-JP" dirty="0" smtClean="0"/>
+          </a:p>
+          <a:p>
+            <a:r>
+              <a:rPr lang="ja-JP" altLang="en-US" dirty="0" smtClean="0"/>
+              <a:t>ジャンル</a:t>
+            </a:r>
+            <a:r>
+              <a:rPr lang="ja-JP" altLang="en-US" dirty="0"/>
+              <a:t>決</a:t>
+            </a:r>
+            <a:r>
+              <a:rPr lang="ja-JP" altLang="en-US" dirty="0" smtClean="0"/>
+              <a:t>め</a:t>
+            </a:r>
+            <a:endParaRPr lang="en-US" altLang="ja-JP" dirty="0" smtClean="0"/>
+          </a:p>
+          <a:p>
+            <a:r>
+              <a:rPr kumimoji="1" lang="ja-JP" altLang="en-US" dirty="0" smtClean="0"/>
+              <a:t>プランナー決め</a:t>
+            </a:r>
+            <a:endParaRPr kumimoji="1" lang="en-US" altLang="ja-JP" dirty="0" smtClean="0"/>
+          </a:p>
+          <a:p>
+            <a:r>
+              <a:rPr lang="ja-JP" altLang="en-US" dirty="0" smtClean="0"/>
+              <a:t>必要事項洗い出し</a:t>
+            </a:r>
+            <a:endParaRPr kumimoji="1" lang="en-US" altLang="ja-JP" dirty="0" smtClean="0"/>
+          </a:p>
+          <a:p>
+            <a:r>
+              <a:rPr lang="ja-JP" altLang="en-US" dirty="0" smtClean="0"/>
+              <a:t>担当について</a:t>
+            </a:r>
+            <a:endParaRPr lang="en-US" altLang="ja-JP" dirty="0" smtClean="0"/>
+          </a:p>
+          <a:p>
+            <a:r>
+              <a:rPr lang="ja-JP" altLang="en-US" dirty="0" smtClean="0"/>
+              <a:t>役割</a:t>
+            </a:r>
+            <a:r>
+              <a:rPr lang="ja-JP" altLang="en-US" dirty="0" smtClean="0"/>
+              <a:t>発表</a:t>
+            </a:r>
+            <a:endParaRPr lang="en-US" altLang="ja-JP" dirty="0" smtClean="0"/>
+          </a:p>
+          <a:p>
+            <a:r>
+              <a:rPr lang="ja-JP" altLang="en-US" dirty="0"/>
+              <a:t>マスタスケジュール</a:t>
+            </a:r>
+            <a:endParaRPr lang="en-US" altLang="ja-JP" dirty="0" smtClean="0"/>
+          </a:p>
+          <a:p>
+            <a:r>
+              <a:rPr kumimoji="1" lang="en-US" altLang="ja-JP" dirty="0" smtClean="0"/>
+              <a:t>Unity</a:t>
+            </a:r>
+            <a:r>
+              <a:rPr kumimoji="1" lang="ja-JP" altLang="en-US" dirty="0" smtClean="0"/>
+              <a:t>の利用</a:t>
+            </a:r>
+            <a:endParaRPr kumimoji="1" lang="ja-JP" altLang="en-US" dirty="0"/>
+          </a:p>
+        </p:txBody>
+      </p:sp>
+    </p:spTree>
+    <p:extLst>
+      <p:ext uri="{BB962C8B-B14F-4D97-AF65-F5344CB8AC3E}">
+        <p14:creationId xmlns:p14="http://schemas.microsoft.com/office/powerpoint/2010/main" val="3417596043"/>
+      </p:ext>
+    </p:extLst>
+  </p:cSld>
+  <p:clrMapOvr>
+    <a:masterClrMapping/>
+  </p:clrMapOvr>
+</p:sld>
+</file>
+
+<file path=ppt/slides/slide4.xml><?xml version="1.0" encoding="utf-8"?>
+<p:sld xmlns:a="http://schemas.openxmlformats.org/drawingml/2006/main" xmlns:r="http://schemas.openxmlformats.org/officeDocument/2006/relationships" xmlns:p="http://schemas.openxmlformats.org/presentationml/2006/main">
+  <p:cSld>
+    <p:spTree>
+      <p:nvGrpSpPr>
+        <p:cNvPr id="1" name=""/>
+        <p:cNvGrpSpPr/>
+        <p:nvPr/>
+      </p:nvGrpSpPr>
+      <p:grpSpPr>
+        <a:xfrm>
+          <a:off x="0" y="0"/>
+          <a:ext cx="0" cy="0"/>
+          <a:chOff x="0" y="0"/>
+          <a:chExt cx="0" cy="0"/>
+        </a:xfrm>
+      </p:grpSpPr>
+      <p:sp>
+        <p:nvSpPr>
+          <p:cNvPr id="2" name="タイトル 1"/>
+          <p:cNvSpPr>
+            <a:spLocks noGrp="1"/>
+          </p:cNvSpPr>
+          <p:nvPr>
+            <p:ph type="title"/>
+          </p:nvPr>
+        </p:nvSpPr>
+        <p:spPr/>
+        <p:txBody>
+          <a:bodyPr/>
+          <a:lstStyle/>
+          <a:p>
+            <a:r>
               <a:rPr lang="en-US" altLang="ja-JP" dirty="0"/>
               <a:t>Unity</a:t>
             </a:r>
@@ -12724,6 +13664,30 @@
           </a:p>
         </p:txBody>
       </p:sp>
+      <p:pic>
+        <p:nvPicPr>
+          <p:cNvPr id="4" name="図 3"/>
+          <p:cNvPicPr>
+            <a:picLocks noChangeAspect="1"/>
+          </p:cNvPicPr>
+          <p:nvPr/>
+        </p:nvPicPr>
+        <p:blipFill>
+          <a:blip r:embed="rId2"/>
+          <a:stretch>
+            <a:fillRect/>
+          </a:stretch>
+        </p:blipFill>
+        <p:spPr>
+          <a:xfrm>
+            <a:off x="761098" y="3011924"/>
+            <a:ext cx="5592809" cy="3029438"/>
+          </a:xfrm>
+          <a:prstGeom prst="rect">
+            <a:avLst/>
+          </a:prstGeom>
+        </p:spPr>
+      </p:pic>
     </p:spTree>
     <p:extLst>
       <p:ext uri="{BB962C8B-B14F-4D97-AF65-F5344CB8AC3E}">
@@ -12737,7 +13701,7 @@
 </p:sld>
 </file>
 
-<file path=ppt/slides/slide4.xml><?xml version="1.0" encoding="utf-8"?>
+<file path=ppt/slides/slide5.xml><?xml version="1.0" encoding="utf-8"?>
 <p:sld xmlns:a="http://schemas.openxmlformats.org/drawingml/2006/main" xmlns:r="http://schemas.openxmlformats.org/officeDocument/2006/relationships" xmlns:p="http://schemas.openxmlformats.org/presentationml/2006/main">
   <p:cSld>
     <p:spTree>
@@ -13092,7 +14056,7 @@
 </p:sld>
 </file>
 
-<file path=ppt/slides/slide5.xml><?xml version="1.0" encoding="utf-8"?>
+<file path=ppt/slides/slide6.xml><?xml version="1.0" encoding="utf-8"?>
 <p:sld xmlns:a="http://schemas.openxmlformats.org/drawingml/2006/main" xmlns:r="http://schemas.openxmlformats.org/officeDocument/2006/relationships" xmlns:p="http://schemas.openxmlformats.org/presentationml/2006/main">
   <p:cSld>
     <p:spTree>
@@ -13469,7 +14433,7 @@
 </p:sld>
 </file>
 
-<file path=ppt/slides/slide6.xml><?xml version="1.0" encoding="utf-8"?>
+<file path=ppt/slides/slide7.xml><?xml version="1.0" encoding="utf-8"?>
 <p:sld xmlns:a="http://schemas.openxmlformats.org/drawingml/2006/main" xmlns:r="http://schemas.openxmlformats.org/officeDocument/2006/relationships" xmlns:p="http://schemas.openxmlformats.org/presentationml/2006/main">
   <p:cSld>
     <p:spTree>
@@ -13778,7 +14742,7 @@
 </p:sld>
 </file>
 
-<file path=ppt/slides/slide7.xml><?xml version="1.0" encoding="utf-8"?>
+<file path=ppt/slides/slide8.xml><?xml version="1.0" encoding="utf-8"?>
 <p:sld xmlns:a="http://schemas.openxmlformats.org/drawingml/2006/main" xmlns:r="http://schemas.openxmlformats.org/officeDocument/2006/relationships" xmlns:p="http://schemas.openxmlformats.org/presentationml/2006/main">
   <p:cSld>
     <p:spTree>
@@ -13893,6 +14857,168 @@
     <p:extLst>
       <p:ext uri="{BB962C8B-B14F-4D97-AF65-F5344CB8AC3E}">
         <p14:creationId xmlns:p14="http://schemas.microsoft.com/office/powerpoint/2010/main" val="3102613273"/>
+      </p:ext>
+    </p:extLst>
+  </p:cSld>
+  <p:clrMapOvr>
+    <a:masterClrMapping/>
+  </p:clrMapOvr>
+</p:sld>
+</file>
+
+<file path=ppt/slides/slide9.xml><?xml version="1.0" encoding="utf-8"?>
+<p:sld xmlns:a="http://schemas.openxmlformats.org/drawingml/2006/main" xmlns:r="http://schemas.openxmlformats.org/officeDocument/2006/relationships" xmlns:p="http://schemas.openxmlformats.org/presentationml/2006/main">
+  <p:cSld>
+    <p:spTree>
+      <p:nvGrpSpPr>
+        <p:cNvPr id="1" name=""/>
+        <p:cNvGrpSpPr/>
+        <p:nvPr/>
+      </p:nvGrpSpPr>
+      <p:grpSpPr>
+        <a:xfrm>
+          <a:off x="0" y="0"/>
+          <a:ext cx="0" cy="0"/>
+          <a:chOff x="0" y="0"/>
+          <a:chExt cx="0" cy="0"/>
+        </a:xfrm>
+      </p:grpSpPr>
+      <p:sp>
+        <p:nvSpPr>
+          <p:cNvPr id="2" name="タイトル 1"/>
+          <p:cNvSpPr>
+            <a:spLocks noGrp="1"/>
+          </p:cNvSpPr>
+          <p:nvPr>
+            <p:ph type="title"/>
+          </p:nvPr>
+        </p:nvSpPr>
+        <p:spPr/>
+        <p:txBody>
+          <a:bodyPr/>
+          <a:lstStyle/>
+          <a:p>
+            <a:r>
+              <a:rPr lang="ja-JP" altLang="en-US" dirty="0"/>
+              <a:t>プランナー決め</a:t>
+            </a:r>
+            <a:br>
+              <a:rPr lang="ja-JP" altLang="en-US" dirty="0"/>
+            </a:br>
+            <a:endParaRPr kumimoji="1" lang="ja-JP" altLang="en-US" dirty="0"/>
+          </a:p>
+        </p:txBody>
+      </p:sp>
+      <p:sp>
+        <p:nvSpPr>
+          <p:cNvPr id="3" name="コンテンツ プレースホルダー 2"/>
+          <p:cNvSpPr>
+            <a:spLocks noGrp="1"/>
+          </p:cNvSpPr>
+          <p:nvPr>
+            <p:ph idx="1"/>
+          </p:nvPr>
+        </p:nvSpPr>
+        <p:spPr>
+          <a:xfrm>
+            <a:off x="677333" y="1270000"/>
+            <a:ext cx="9301935" cy="3880773"/>
+          </a:xfrm>
+        </p:spPr>
+        <p:txBody>
+          <a:bodyPr/>
+          <a:lstStyle/>
+          <a:p>
+            <a:r>
+              <a:rPr kumimoji="1" lang="ja-JP" altLang="en-US" dirty="0" smtClean="0"/>
+              <a:t>全員の案を一つのゲームに落とし込むと収拾がつかなくなるのでプランナーを決めます</a:t>
+            </a:r>
+            <a:endParaRPr kumimoji="1" lang="en-US" altLang="ja-JP" dirty="0" smtClean="0"/>
+          </a:p>
+          <a:p>
+            <a:r>
+              <a:rPr lang="ja-JP" altLang="en-US" dirty="0"/>
+              <a:t>大筋</a:t>
+            </a:r>
+            <a:r>
+              <a:rPr lang="ja-JP" altLang="en-US" dirty="0" smtClean="0"/>
+              <a:t>のシナリオと、システムを決めてもらいます</a:t>
+            </a:r>
+            <a:endParaRPr lang="en-US" altLang="ja-JP" dirty="0" smtClean="0"/>
+          </a:p>
+          <a:p>
+            <a:r>
+              <a:rPr lang="ja-JP" altLang="en-US" dirty="0" smtClean="0"/>
+              <a:t>設計、開発時も使用はプランナーが決めます</a:t>
+            </a:r>
+            <a:endParaRPr lang="en-US" altLang="ja-JP" dirty="0" smtClean="0"/>
+          </a:p>
+          <a:p>
+            <a:r>
+              <a:rPr lang="ja-JP" altLang="en-US" dirty="0"/>
+              <a:t>基本的</a:t>
+            </a:r>
+            <a:r>
+              <a:rPr lang="ja-JP" altLang="en-US" dirty="0" smtClean="0"/>
+              <a:t>には研修は技術要素の講習のため、研修外で検討してほしい</a:t>
+            </a:r>
+            <a:r>
+              <a:rPr lang="ja-JP" altLang="en-US" dirty="0" smtClean="0"/>
+              <a:t>です</a:t>
+            </a:r>
+            <a:endParaRPr lang="en-US" altLang="ja-JP" dirty="0" smtClean="0"/>
+          </a:p>
+          <a:p>
+            <a:r>
+              <a:rPr lang="ja-JP" altLang="en-US" dirty="0" smtClean="0"/>
+              <a:t>必ず全員担当シーンがあるようしてください（わかりやすくだと</a:t>
+            </a:r>
+            <a:r>
+              <a:rPr lang="en-US" altLang="ja-JP" dirty="0" smtClean="0"/>
+              <a:t>5</a:t>
+            </a:r>
+            <a:r>
+              <a:rPr lang="ja-JP" altLang="en-US" dirty="0" smtClean="0"/>
+              <a:t>面あるものに）</a:t>
+            </a:r>
+            <a:endParaRPr lang="en-US" altLang="ja-JP" dirty="0" smtClean="0"/>
+          </a:p>
+        </p:txBody>
+      </p:sp>
+      <p:pic>
+        <p:nvPicPr>
+          <p:cNvPr id="4" name="図 3"/>
+          <p:cNvPicPr>
+            <a:picLocks noChangeAspect="1"/>
+          </p:cNvPicPr>
+          <p:nvPr/>
+        </p:nvPicPr>
+        <p:blipFill>
+          <a:blip r:embed="rId2">
+            <a:extLst>
+              <a:ext uri="{28A0092B-C50C-407E-A947-70E740481C1C}">
+                <a14:useLocalDpi xmlns:a14="http://schemas.microsoft.com/office/drawing/2010/main" val="0"/>
+              </a:ext>
+            </a:extLst>
+          </a:blip>
+          <a:stretch>
+            <a:fillRect/>
+          </a:stretch>
+        </p:blipFill>
+        <p:spPr>
+          <a:xfrm>
+            <a:off x="763065" y="3652567"/>
+            <a:ext cx="4029475" cy="2954948"/>
+          </a:xfrm>
+          <a:prstGeom prst="rect">
+            <a:avLst/>
+          </a:prstGeom>
+        </p:spPr>
+      </p:pic>
+    </p:spTree>
+    <p:extLst>
+      <p:ext uri="{BB962C8B-B14F-4D97-AF65-F5344CB8AC3E}">
+        <p14:creationId xmlns:p14="http://schemas.microsoft.com/office/powerpoint/2010/main" val="3659037075"/>
       </p:ext>
     </p:extLst>
   </p:cSld>

--- a/99_研修資料/第一回/研修資料.pptx
+++ b/99_研修資料/第一回/研修資料.pptx
@@ -12494,6 +12494,13 @@
   <p:clrMapOvr>
     <a:masterClrMapping/>
   </p:clrMapOvr>
+  <p:timing>
+    <p:tnLst>
+      <p:par>
+        <p:cTn id="1" dur="indefinite" restart="never" nodeType="tmRoot"/>
+      </p:par>
+    </p:tnLst>
+  </p:timing>
 </p:sld>
 </file>
 
@@ -12557,9 +12564,65 @@
         </p:spPr>
         <p:txBody>
           <a:bodyPr>
-            <a:normAutofit fontScale="62500" lnSpcReduction="20000"/>
+            <a:normAutofit fontScale="40000" lnSpcReduction="20000"/>
           </a:bodyPr>
           <a:lstStyle/>
+          <a:p>
+            <a:r>
+              <a:rPr lang="en-US" altLang="ja-JP" dirty="0" smtClean="0"/>
+              <a:t>【</a:t>
+            </a:r>
+            <a:r>
+              <a:rPr lang="ja-JP" altLang="en-US" dirty="0"/>
+              <a:t>藤田</a:t>
+            </a:r>
+            <a:r>
+              <a:rPr lang="en-US" altLang="ja-JP" dirty="0" smtClean="0"/>
+              <a:t>】</a:t>
+            </a:r>
+            <a:endParaRPr lang="en-US" altLang="ja-JP" dirty="0" smtClean="0"/>
+          </a:p>
+          <a:p>
+            <a:r>
+              <a:rPr lang="ja-JP" altLang="en-US" dirty="0" smtClean="0"/>
+              <a:t>役職</a:t>
+            </a:r>
+            <a:r>
+              <a:rPr lang="ja-JP" altLang="en-US" dirty="0"/>
+              <a:t>：リーダー</a:t>
+            </a:r>
+          </a:p>
+          <a:p>
+            <a:r>
+              <a:rPr lang="ja-JP" altLang="en-US" dirty="0"/>
+              <a:t>作業：技術的要素１項目（例：キャラクターの回転スクリプト）の講師</a:t>
+            </a:r>
+          </a:p>
+          <a:p>
+            <a:r>
+              <a:rPr lang="ja-JP" altLang="en-US" dirty="0"/>
+              <a:t>進捗管理と、責任者への</a:t>
+            </a:r>
+            <a:r>
+              <a:rPr lang="ja-JP" altLang="en-US" dirty="0" smtClean="0"/>
+              <a:t>報告</a:t>
+            </a:r>
+            <a:endParaRPr lang="en-US" altLang="ja-JP" dirty="0" smtClean="0"/>
+          </a:p>
+          <a:p>
+            <a:r>
+              <a:rPr lang="en-US" altLang="ja-JP" dirty="0" smtClean="0"/>
+              <a:t>1</a:t>
+            </a:r>
+            <a:r>
+              <a:rPr lang="ja-JP" altLang="en-US" dirty="0"/>
+              <a:t>回目：会議、打ち合わせのファシリテーター</a:t>
+            </a:r>
+            <a:endParaRPr lang="en-US" altLang="ja-JP" dirty="0" smtClean="0"/>
+          </a:p>
+          <a:p>
+            <a:endParaRPr lang="ja-JP" altLang="en-US" dirty="0"/>
+          </a:p>
           <a:p>
             <a:r>
               <a:rPr lang="en-US" altLang="ja-JP" dirty="0"/>
@@ -12567,47 +12630,7 @@
             </a:r>
             <a:r>
               <a:rPr lang="ja-JP" altLang="en-US" dirty="0"/>
-              <a:t>西尾</a:t>
-            </a:r>
-            <a:r>
-              <a:rPr lang="en-US" altLang="ja-JP" dirty="0"/>
-              <a:t>S】</a:t>
-            </a:r>
-          </a:p>
-          <a:p>
-            <a:r>
-              <a:rPr lang="ja-JP" altLang="en-US" dirty="0"/>
-              <a:t>役職：リーダー</a:t>
-            </a:r>
-          </a:p>
-          <a:p>
-            <a:r>
-              <a:rPr lang="ja-JP" altLang="en-US" dirty="0"/>
-              <a:t>作業：技術的要素１項目（例：キャラクターの回転スクリプト）の講師</a:t>
-            </a:r>
-          </a:p>
-          <a:p>
-            <a:r>
-              <a:rPr lang="ja-JP" altLang="en-US" dirty="0"/>
-              <a:t>進捗管理と、責任者への</a:t>
-            </a:r>
-            <a:r>
-              <a:rPr lang="ja-JP" altLang="en-US" dirty="0" smtClean="0"/>
-              <a:t>報告</a:t>
-            </a:r>
-            <a:endParaRPr lang="en-US" altLang="ja-JP" dirty="0" smtClean="0"/>
-          </a:p>
-          <a:p>
-            <a:endParaRPr lang="ja-JP" altLang="en-US" dirty="0"/>
-          </a:p>
-          <a:p>
-            <a:r>
-              <a:rPr lang="en-US" altLang="ja-JP" dirty="0"/>
-              <a:t>【</a:t>
-            </a:r>
-            <a:r>
-              <a:rPr lang="ja-JP" altLang="en-US" dirty="0"/>
-              <a:t>藤田</a:t>
+              <a:t>原</a:t>
             </a:r>
             <a:r>
               <a:rPr lang="en-US" altLang="ja-JP" dirty="0"/>
@@ -12616,8 +12639,12 @@
           </a:p>
           <a:p>
             <a:r>
+              <a:rPr lang="ja-JP" altLang="en-US" dirty="0" smtClean="0"/>
+              <a:t>役職</a:t>
+            </a:r>
+            <a:r>
               <a:rPr lang="ja-JP" altLang="en-US" dirty="0"/>
-              <a:t>役職：サブリーダー</a:t>
+              <a:t>：サブリーダー</a:t>
             </a:r>
           </a:p>
           <a:p>
@@ -12628,81 +12655,126 @@
           </a:p>
           <a:p>
             <a:r>
+              <a:rPr lang="en-US" altLang="ja-JP" dirty="0" smtClean="0"/>
+              <a:t>2</a:t>
+            </a:r>
+            <a:r>
+              <a:rPr lang="ja-JP" altLang="en-US" dirty="0" smtClean="0"/>
+              <a:t>回目</a:t>
+            </a:r>
+            <a:r>
+              <a:rPr lang="ja-JP" altLang="en-US" dirty="0"/>
+              <a:t>：会議、打ち合わせの</a:t>
+            </a:r>
+            <a:r>
+              <a:rPr lang="ja-JP" altLang="en-US" dirty="0" smtClean="0"/>
+              <a:t>ファシリテーター</a:t>
+            </a:r>
+            <a:endParaRPr lang="ja-JP" altLang="en-US" dirty="0" smtClean="0"/>
+          </a:p>
+          <a:p>
+            <a:endParaRPr lang="en-US" altLang="ja-JP" dirty="0" smtClean="0"/>
+          </a:p>
+          <a:p>
+            <a:r>
+              <a:rPr lang="en-US" altLang="ja-JP" dirty="0" smtClean="0"/>
+              <a:t>【</a:t>
+            </a:r>
+            <a:r>
+              <a:rPr lang="ja-JP" altLang="en-US" dirty="0"/>
+              <a:t>立山</a:t>
+            </a:r>
+            <a:r>
+              <a:rPr lang="en-US" altLang="ja-JP" dirty="0"/>
+              <a:t>】</a:t>
+            </a:r>
+          </a:p>
+          <a:p>
+            <a:r>
+              <a:rPr lang="ja-JP" altLang="en-US" dirty="0"/>
+              <a:t>役職：ムードメーカー</a:t>
+            </a:r>
+          </a:p>
+          <a:p>
+            <a:r>
+              <a:rPr lang="ja-JP" altLang="en-US" dirty="0"/>
+              <a:t>作業：打ち合わせの質問事項について必ず１回は発言する（意見なしでも可）</a:t>
+            </a:r>
+          </a:p>
+          <a:p>
+            <a:endParaRPr lang="en-US" altLang="ja-JP" dirty="0" smtClean="0"/>
+          </a:p>
+          <a:p>
+            <a:r>
+              <a:rPr lang="en-US" altLang="ja-JP" dirty="0" smtClean="0"/>
+              <a:t>【</a:t>
+            </a:r>
+            <a:r>
+              <a:rPr lang="ja-JP" altLang="en-US" dirty="0"/>
+              <a:t>西尾</a:t>
+            </a:r>
+            <a:r>
+              <a:rPr lang="en-US" altLang="ja-JP" dirty="0" smtClean="0"/>
+              <a:t>S】</a:t>
+            </a:r>
+            <a:endParaRPr lang="en-US" altLang="ja-JP" dirty="0"/>
+          </a:p>
+          <a:p>
+            <a:r>
+              <a:rPr lang="ja-JP" altLang="en-US" dirty="0" smtClean="0"/>
+              <a:t>役職</a:t>
+            </a:r>
+            <a:r>
+              <a:rPr lang="ja-JP" altLang="en-US" dirty="0"/>
+              <a:t>：技術屋</a:t>
+            </a:r>
+          </a:p>
+          <a:p>
+            <a:r>
+              <a:rPr lang="ja-JP" altLang="en-US" dirty="0"/>
+              <a:t>作業</a:t>
+            </a:r>
+            <a:r>
+              <a:rPr lang="ja-JP" altLang="en-US" dirty="0" smtClean="0"/>
+              <a:t>：手順書の作成、ツールの選定</a:t>
+            </a:r>
+            <a:endParaRPr lang="en-US" altLang="ja-JP" dirty="0" smtClean="0"/>
+          </a:p>
+          <a:p>
+            <a:endParaRPr lang="en-US" altLang="ja-JP" dirty="0" smtClean="0"/>
+          </a:p>
+          <a:p>
+            <a:r>
+              <a:rPr lang="en-US" altLang="ja-JP" dirty="0" smtClean="0"/>
+              <a:t>【</a:t>
+            </a:r>
+            <a:r>
+              <a:rPr lang="ja-JP" altLang="en-US" dirty="0" smtClean="0"/>
+              <a:t>平根</a:t>
+            </a:r>
+            <a:r>
+              <a:rPr lang="en-US" altLang="ja-JP" dirty="0" smtClean="0"/>
+              <a:t>】</a:t>
+            </a:r>
+          </a:p>
+          <a:p>
+            <a:r>
+              <a:rPr lang="ja-JP" altLang="en-US" dirty="0"/>
+              <a:t>オブザーバ</a:t>
+            </a:r>
+            <a:r>
+              <a:rPr lang="ja-JP" altLang="en-US" dirty="0" smtClean="0"/>
+              <a:t>ー</a:t>
+            </a:r>
+            <a:endParaRPr lang="en-US" altLang="ja-JP" dirty="0"/>
+          </a:p>
+          <a:p>
+            <a:r>
               <a:rPr lang="ja-JP" altLang="en-US" dirty="0"/>
               <a:t>月初に出欠確認を行う</a:t>
             </a:r>
           </a:p>
           <a:p>
-            <a:endParaRPr lang="en-US" altLang="ja-JP" dirty="0" smtClean="0"/>
-          </a:p>
-          <a:p>
-            <a:r>
-              <a:rPr lang="en-US" altLang="ja-JP" dirty="0" smtClean="0"/>
-              <a:t>【</a:t>
-            </a:r>
-            <a:r>
-              <a:rPr lang="ja-JP" altLang="en-US" dirty="0"/>
-              <a:t>立山</a:t>
-            </a:r>
-            <a:r>
-              <a:rPr lang="en-US" altLang="ja-JP" dirty="0"/>
-              <a:t>】</a:t>
-            </a:r>
-          </a:p>
-          <a:p>
-            <a:r>
-              <a:rPr lang="ja-JP" altLang="en-US" dirty="0"/>
-              <a:t>役職：ムードメーカー</a:t>
-            </a:r>
-          </a:p>
-          <a:p>
-            <a:r>
-              <a:rPr lang="ja-JP" altLang="en-US" dirty="0"/>
-              <a:t>作業：打ち合わせの質問事項について必ず１回は発言する（意見なしでも可）</a:t>
-            </a:r>
-          </a:p>
-          <a:p>
-            <a:endParaRPr lang="en-US" altLang="ja-JP" dirty="0" smtClean="0"/>
-          </a:p>
-          <a:p>
-            <a:r>
-              <a:rPr lang="en-US" altLang="ja-JP" dirty="0" smtClean="0"/>
-              <a:t>【</a:t>
-            </a:r>
-            <a:r>
-              <a:rPr lang="ja-JP" altLang="en-US" dirty="0"/>
-              <a:t>原</a:t>
-            </a:r>
-            <a:r>
-              <a:rPr lang="en-US" altLang="ja-JP" dirty="0"/>
-              <a:t>】</a:t>
-            </a:r>
-          </a:p>
-          <a:p>
-            <a:r>
-              <a:rPr lang="ja-JP" altLang="en-US" dirty="0"/>
-              <a:t>役職：技術屋</a:t>
-            </a:r>
-          </a:p>
-          <a:p>
-            <a:r>
-              <a:rPr lang="ja-JP" altLang="en-US" dirty="0"/>
-              <a:t>作業：技術的要素１項目（例：キャラクターの回転スクリプト）の講師</a:t>
-            </a:r>
-          </a:p>
-          <a:p>
-            <a:r>
-              <a:rPr lang="ja-JP" altLang="en-US" dirty="0"/>
-              <a:t>西尾</a:t>
-            </a:r>
-            <a:r>
-              <a:rPr lang="en-US" altLang="ja-JP" dirty="0"/>
-              <a:t>S,</a:t>
-            </a:r>
-            <a:r>
-              <a:rPr lang="ja-JP" altLang="en-US" dirty="0"/>
-              <a:t>原の講義は４月に行う（準備期間２ヶ月予定</a:t>
-            </a:r>
             <a:endParaRPr lang="en-US" altLang="ja-JP" dirty="0" smtClean="0"/>
           </a:p>
         </p:txBody>
@@ -12717,6 +12789,13 @@
   <p:clrMapOvr>
     <a:masterClrMapping/>
   </p:clrMapOvr>
+  <p:timing>
+    <p:tnLst>
+      <p:par>
+        <p:cTn id="1" dur="indefinite" restart="never" nodeType="tmRoot"/>
+      </p:par>
+    </p:tnLst>
+  </p:timing>
 </p:sld>
 </file>
 
@@ -12845,6 +12924,13 @@
   <p:clrMapOvr>
     <a:masterClrMapping/>
   </p:clrMapOvr>
+  <p:timing>
+    <p:tnLst>
+      <p:par>
+        <p:cTn id="1" dur="indefinite" restart="never" nodeType="tmRoot"/>
+      </p:par>
+    </p:tnLst>
+  </p:timing>
 </p:sld>
 </file>
 
@@ -12972,6 +13058,13 @@
   <p:clrMapOvr>
     <a:masterClrMapping/>
   </p:clrMapOvr>
+  <p:timing>
+    <p:tnLst>
+      <p:par>
+        <p:cTn id="1" dur="indefinite" restart="never" nodeType="tmRoot"/>
+      </p:par>
+    </p:tnLst>
+  </p:timing>
 </p:sld>
 </file>
 
@@ -13149,6 +13242,13 @@
   <p:clrMapOvr>
     <a:masterClrMapping/>
   </p:clrMapOvr>
+  <p:timing>
+    <p:tnLst>
+      <p:par>
+        <p:cTn id="1" dur="indefinite" restart="never" nodeType="tmRoot"/>
+      </p:par>
+    </p:tnLst>
+  </p:timing>
 </p:sld>
 </file>
 
@@ -13330,6 +13430,13 @@
   <p:clrMapOvr>
     <a:masterClrMapping/>
   </p:clrMapOvr>
+  <p:timing>
+    <p:tnLst>
+      <p:par>
+        <p:cTn id="1" dur="indefinite" restart="never" nodeType="tmRoot"/>
+      </p:par>
+    </p:tnLst>
+  </p:timing>
 </p:sld>
 </file>
 
@@ -13401,7 +13508,6 @@
               <a:rPr lang="ja-JP" altLang="en-US" dirty="0"/>
               <a:t>を利用したチーム開発研修です</a:t>
             </a:r>
-            <a:endParaRPr lang="ja-JP" altLang="en-US" dirty="0"/>
           </a:p>
         </p:txBody>
       </p:sp>
@@ -13415,6 +13521,13 @@
   <p:clrMapOvr>
     <a:masterClrMapping/>
   </p:clrMapOvr>
+  <p:timing>
+    <p:tnLst>
+      <p:par>
+        <p:cTn id="1" dur="indefinite" restart="never" nodeType="tmRoot"/>
+      </p:par>
+    </p:tnLst>
+  </p:timing>
 </p:sld>
 </file>
 
@@ -13533,11 +13646,7 @@
           <a:p>
             <a:r>
               <a:rPr lang="ja-JP" altLang="en-US" dirty="0" smtClean="0"/>
-              <a:t>役割</a:t>
-            </a:r>
-            <a:r>
-              <a:rPr lang="ja-JP" altLang="en-US" dirty="0" smtClean="0"/>
-              <a:t>発表</a:t>
+              <a:t>役割発表</a:t>
             </a:r>
             <a:endParaRPr lang="en-US" altLang="ja-JP" dirty="0" smtClean="0"/>
           </a:p>
@@ -13571,6 +13680,13 @@
   <p:clrMapOvr>
     <a:masterClrMapping/>
   </p:clrMapOvr>
+  <p:timing>
+    <p:tnLst>
+      <p:par>
+        <p:cTn id="1" dur="indefinite" restart="never" nodeType="tmRoot"/>
+      </p:par>
+    </p:tnLst>
+  </p:timing>
 </p:sld>
 </file>
 
@@ -13698,6 +13814,13 @@
   <p:clrMapOvr>
     <a:masterClrMapping/>
   </p:clrMapOvr>
+  <p:timing>
+    <p:tnLst>
+      <p:par>
+        <p:cTn id="1" dur="indefinite" restart="never" nodeType="tmRoot"/>
+      </p:par>
+    </p:tnLst>
+  </p:timing>
 </p:sld>
 </file>
 
@@ -13770,7 +13893,7 @@
         </p:blipFill>
         <p:spPr>
           <a:xfrm>
-            <a:off x="1297253" y="2233808"/>
+            <a:off x="1341215" y="2242600"/>
             <a:ext cx="6900332" cy="3881437"/>
           </a:xfrm>
           <a:prstGeom prst="rect">
@@ -14053,6 +14176,13 @@
   <p:clrMapOvr>
     <a:masterClrMapping/>
   </p:clrMapOvr>
+  <p:timing>
+    <p:tnLst>
+      <p:par>
+        <p:cTn id="1" dur="indefinite" restart="never" nodeType="tmRoot"/>
+      </p:par>
+    </p:tnLst>
+  </p:timing>
 </p:sld>
 </file>
 
@@ -14739,6 +14869,13 @@
   <p:clrMapOvr>
     <a:masterClrMapping/>
   </p:clrMapOvr>
+  <p:timing>
+    <p:tnLst>
+      <p:par>
+        <p:cTn id="1" dur="indefinite" restart="never" nodeType="tmRoot"/>
+      </p:par>
+    </p:tnLst>
+  </p:timing>
 </p:sld>
 </file>
 
@@ -14863,6 +15000,13 @@
   <p:clrMapOvr>
     <a:masterClrMapping/>
   </p:clrMapOvr>
+  <p:timing>
+    <p:tnLst>
+      <p:par>
+        <p:cTn id="1" dur="indefinite" restart="never" nodeType="tmRoot"/>
+      </p:par>
+    </p:tnLst>
+  </p:timing>
 </p:sld>
 </file>
 
@@ -14965,21 +15109,6 @@
             <a:r>
               <a:rPr lang="ja-JP" altLang="en-US" dirty="0" smtClean="0"/>
               <a:t>です</a:t>
-            </a:r>
-            <a:endParaRPr lang="en-US" altLang="ja-JP" dirty="0" smtClean="0"/>
-          </a:p>
-          <a:p>
-            <a:r>
-              <a:rPr lang="ja-JP" altLang="en-US" dirty="0" smtClean="0"/>
-              <a:t>必ず全員担当シーンがあるようしてください（わかりやすくだと</a:t>
-            </a:r>
-            <a:r>
-              <a:rPr lang="en-US" altLang="ja-JP" dirty="0" smtClean="0"/>
-              <a:t>5</a:t>
-            </a:r>
-            <a:r>
-              <a:rPr lang="ja-JP" altLang="en-US" dirty="0" smtClean="0"/>
-              <a:t>面あるものに）</a:t>
             </a:r>
             <a:endParaRPr lang="en-US" altLang="ja-JP" dirty="0" smtClean="0"/>
           </a:p>
@@ -15025,6 +15154,13 @@
   <p:clrMapOvr>
     <a:masterClrMapping/>
   </p:clrMapOvr>
+  <p:timing>
+    <p:tnLst>
+      <p:par>
+        <p:cTn id="1" dur="indefinite" restart="never" nodeType="tmRoot"/>
+      </p:par>
+    </p:tnLst>
+  </p:timing>
 </p:sld>
 </file>
 
